--- a/java-8-to-21.pptx
+++ b/java-8-to-21.pptx
@@ -37,7 +37,9 @@
     <p:sldId id="282" r:id="rId31"/>
     <p:sldId id="283" r:id="rId32"/>
     <p:sldId id="284" r:id="rId33"/>
-    <p:sldId id="285" r:id="rId34"/>
+    <p:sldId id="289" r:id="rId34"/>
+    <p:sldId id="285" r:id="rId35"/>
+    <p:sldId id="290" r:id="rId36"/>
   </p:sldIdLst>
   <p:sldSz cx="12192000" cy="6858000"/>
   <p:notesSz cx="6858000" cy="9144000"/>
@@ -329,7 +331,7 @@
           <a:p>
             <a:fld id="{89D1C0DA-6ED0-4853-97A8-5E62A7E9B86C}" type="datetimeFigureOut">
               <a:rPr lang="en-US" smtClean="0"/>
-              <a:t>8/9/2025</a:t>
+              <a:t>8/10/2025</a:t>
             </a:fld>
             <a:endParaRPr lang="en-US"/>
           </a:p>
@@ -626,7 +628,7 @@
           <a:p>
             <a:fld id="{89D1C0DA-6ED0-4853-97A8-5E62A7E9B86C}" type="datetimeFigureOut">
               <a:rPr lang="en-US" smtClean="0"/>
-              <a:t>8/9/2025</a:t>
+              <a:t>8/10/2025</a:t>
             </a:fld>
             <a:endParaRPr lang="en-US"/>
           </a:p>
@@ -818,7 +820,7 @@
           <a:p>
             <a:fld id="{89D1C0DA-6ED0-4853-97A8-5E62A7E9B86C}" type="datetimeFigureOut">
               <a:rPr lang="en-US" smtClean="0"/>
-              <a:t>8/9/2025</a:t>
+              <a:t>8/10/2025</a:t>
             </a:fld>
             <a:endParaRPr lang="en-US"/>
           </a:p>
@@ -1079,7 +1081,7 @@
           <a:p>
             <a:fld id="{89D1C0DA-6ED0-4853-97A8-5E62A7E9B86C}" type="datetimeFigureOut">
               <a:rPr lang="en-US" smtClean="0"/>
-              <a:t>8/9/2025</a:t>
+              <a:t>8/10/2025</a:t>
             </a:fld>
             <a:endParaRPr lang="en-US"/>
           </a:p>
@@ -1503,7 +1505,7 @@
           <a:p>
             <a:fld id="{89D1C0DA-6ED0-4853-97A8-5E62A7E9B86C}" type="datetimeFigureOut">
               <a:rPr lang="en-US" smtClean="0"/>
-              <a:t>8/9/2025</a:t>
+              <a:t>8/10/2025</a:t>
             </a:fld>
             <a:endParaRPr lang="en-US"/>
           </a:p>
@@ -2040,7 +2042,7 @@
           <a:p>
             <a:fld id="{89D1C0DA-6ED0-4853-97A8-5E62A7E9B86C}" type="datetimeFigureOut">
               <a:rPr lang="en-US" smtClean="0"/>
-              <a:t>8/9/2025</a:t>
+              <a:t>8/10/2025</a:t>
             </a:fld>
             <a:endParaRPr lang="en-US"/>
           </a:p>
@@ -2901,7 +2903,7 @@
           <a:p>
             <a:fld id="{89D1C0DA-6ED0-4853-97A8-5E62A7E9B86C}" type="datetimeFigureOut">
               <a:rPr lang="en-US" smtClean="0"/>
-              <a:t>8/9/2025</a:t>
+              <a:t>8/10/2025</a:t>
             </a:fld>
             <a:endParaRPr lang="en-US"/>
           </a:p>
@@ -3071,7 +3073,7 @@
           <a:p>
             <a:fld id="{89D1C0DA-6ED0-4853-97A8-5E62A7E9B86C}" type="datetimeFigureOut">
               <a:rPr lang="en-US" smtClean="0"/>
-              <a:t>8/9/2025</a:t>
+              <a:t>8/10/2025</a:t>
             </a:fld>
             <a:endParaRPr lang="en-US"/>
           </a:p>
@@ -3255,7 +3257,7 @@
           <a:p>
             <a:fld id="{89D1C0DA-6ED0-4853-97A8-5E62A7E9B86C}" type="datetimeFigureOut">
               <a:rPr lang="en-US" smtClean="0"/>
-              <a:t>8/9/2025</a:t>
+              <a:t>8/10/2025</a:t>
             </a:fld>
             <a:endParaRPr lang="en-US"/>
           </a:p>
@@ -3425,7 +3427,7 @@
           <a:p>
             <a:fld id="{89D1C0DA-6ED0-4853-97A8-5E62A7E9B86C}" type="datetimeFigureOut">
               <a:rPr lang="en-US" smtClean="0"/>
-              <a:t>8/9/2025</a:t>
+              <a:t>8/10/2025</a:t>
             </a:fld>
             <a:endParaRPr lang="en-US"/>
           </a:p>
@@ -3669,7 +3671,7 @@
           <a:p>
             <a:fld id="{89D1C0DA-6ED0-4853-97A8-5E62A7E9B86C}" type="datetimeFigureOut">
               <a:rPr lang="en-US" smtClean="0"/>
-              <a:t>8/9/2025</a:t>
+              <a:t>8/10/2025</a:t>
             </a:fld>
             <a:endParaRPr lang="en-US"/>
           </a:p>
@@ -3905,7 +3907,7 @@
           <a:p>
             <a:fld id="{89D1C0DA-6ED0-4853-97A8-5E62A7E9B86C}" type="datetimeFigureOut">
               <a:rPr lang="en-US" smtClean="0"/>
-              <a:t>8/9/2025</a:t>
+              <a:t>8/10/2025</a:t>
             </a:fld>
             <a:endParaRPr lang="en-US"/>
           </a:p>
@@ -4371,7 +4373,7 @@
           <a:p>
             <a:fld id="{89D1C0DA-6ED0-4853-97A8-5E62A7E9B86C}" type="datetimeFigureOut">
               <a:rPr lang="en-US" smtClean="0"/>
-              <a:t>8/9/2025</a:t>
+              <a:t>8/10/2025</a:t>
             </a:fld>
             <a:endParaRPr lang="en-US"/>
           </a:p>
@@ -4489,7 +4491,7 @@
           <a:p>
             <a:fld id="{89D1C0DA-6ED0-4853-97A8-5E62A7E9B86C}" type="datetimeFigureOut">
               <a:rPr lang="en-US" smtClean="0"/>
-              <a:t>8/9/2025</a:t>
+              <a:t>8/10/2025</a:t>
             </a:fld>
             <a:endParaRPr lang="en-US"/>
           </a:p>
@@ -4584,7 +4586,7 @@
           <a:p>
             <a:fld id="{89D1C0DA-6ED0-4853-97A8-5E62A7E9B86C}" type="datetimeFigureOut">
               <a:rPr lang="en-US" smtClean="0"/>
-              <a:t>8/9/2025</a:t>
+              <a:t>8/10/2025</a:t>
             </a:fld>
             <a:endParaRPr lang="en-US"/>
           </a:p>
@@ -4839,7 +4841,7 @@
           <a:p>
             <a:fld id="{89D1C0DA-6ED0-4853-97A8-5E62A7E9B86C}" type="datetimeFigureOut">
               <a:rPr lang="en-US" smtClean="0"/>
-              <a:t>8/9/2025</a:t>
+              <a:t>8/10/2025</a:t>
             </a:fld>
             <a:endParaRPr lang="en-US"/>
           </a:p>
@@ -5138,7 +5140,7 @@
           <a:p>
             <a:fld id="{89D1C0DA-6ED0-4853-97A8-5E62A7E9B86C}" type="datetimeFigureOut">
               <a:rPr lang="en-US" smtClean="0"/>
-              <a:t>8/9/2025</a:t>
+              <a:t>8/10/2025</a:t>
             </a:fld>
             <a:endParaRPr lang="en-US"/>
           </a:p>
@@ -5372,7 +5374,7 @@
           <a:p>
             <a:fld id="{89D1C0DA-6ED0-4853-97A8-5E62A7E9B86C}" type="datetimeFigureOut">
               <a:rPr lang="en-US" smtClean="0"/>
-              <a:t>8/9/2025</a:t>
+              <a:t>8/10/2025</a:t>
             </a:fld>
             <a:endParaRPr lang="en-US"/>
           </a:p>
@@ -23715,14 +23717,19 @@
             <p:ph type="body" idx="1"/>
           </p:nvPr>
         </p:nvSpPr>
-        <p:spPr/>
+        <p:spPr>
+          <a:xfrm>
+            <a:off x="3978243" y="3589893"/>
+            <a:ext cx="4224866" cy="1507054"/>
+          </a:xfrm>
+        </p:spPr>
         <p:txBody>
           <a:bodyPr/>
           <a:lstStyle/>
           <a:p>
             <a:r>
               <a:rPr lang="en-US" i="1"/>
-              <a:t>Data is the heart of all systems. Your code can compile, but nothing will works without data it needs to process.</a:t>
+              <a:t>Data is the heart of all systems. Your code can compile, but nothing will work without the data it needs to process.</a:t>
             </a:r>
           </a:p>
         </p:txBody>
@@ -23816,95 +23823,29 @@
           <a:lstStyle/>
           <a:p>
             <a:r>
-              <a:rPr lang="en-US"/>
+              <a:rPr lang="en-US" sz="2400"/>
               <a:t>Java is evolving to be more focused on data, rather than just behavior.</a:t>
             </a:r>
           </a:p>
           <a:p>
             <a:pPr lvl="1"/>
             <a:r>
-              <a:rPr lang="en-US"/>
+              <a:rPr lang="en-US" sz="2000"/>
               <a:t>This paradigm emphasizes simple, transparent data structures over complex, stateful objects.</a:t>
             </a:r>
           </a:p>
           <a:p>
             <a:pPr lvl="1"/>
             <a:r>
-              <a:rPr lang="en-US"/>
+              <a:rPr lang="en-US" sz="2000"/>
               <a:t>The goal is to reduce boilerplate and create more readable, predictable code.</a:t>
             </a:r>
           </a:p>
           <a:p>
             <a:pPr lvl="1"/>
             <a:r>
-              <a:rPr lang="en-US"/>
+              <a:rPr lang="en-US" sz="2000"/>
               <a:t>The focus is on "what the data is" rather than "what the object can do".</a:t>
-            </a:r>
-          </a:p>
-          <a:p>
-            <a:r>
-              <a:rPr lang="en-US"/>
-              <a:t>Modern language features directly support this data-oriented approach.</a:t>
-            </a:r>
-          </a:p>
-          <a:p>
-            <a:pPr lvl="1"/>
-            <a:r>
-              <a:rPr lang="en-US"/>
-              <a:t>Records: A concise syntax for creating immutable data carrier classes, automatically providing a constructor, getters, </a:t>
-            </a:r>
-            <a:r>
-              <a:rPr lang="en-US" i="1"/>
-              <a:t>equals()</a:t>
-            </a:r>
-            <a:r>
-              <a:rPr lang="en-US"/>
-              <a:t>, </a:t>
-            </a:r>
-            <a:r>
-              <a:rPr lang="en-US" i="1"/>
-              <a:t>hashCode()</a:t>
-            </a:r>
-            <a:r>
-              <a:rPr lang="en-US"/>
-              <a:t>, and </a:t>
-            </a:r>
-            <a:r>
-              <a:rPr lang="en-US" i="1"/>
-              <a:t>toString()</a:t>
-            </a:r>
-            <a:r>
-              <a:rPr lang="en-US"/>
-              <a:t>.</a:t>
-            </a:r>
-          </a:p>
-          <a:p>
-            <a:pPr lvl="1"/>
-            <a:r>
-              <a:rPr lang="en-US"/>
-              <a:t>Pattern Matching for </a:t>
-            </a:r>
-            <a:r>
-              <a:rPr lang="en-US" i="1"/>
-              <a:t>instanceof</a:t>
-            </a:r>
-            <a:r>
-              <a:rPr lang="en-US"/>
-              <a:t>: Simplifies type checking and casting by combining the check and variable assignment into a single, cleaner expression.</a:t>
-            </a:r>
-          </a:p>
-          <a:p>
-            <a:pPr lvl="1"/>
-            <a:r>
-              <a:rPr lang="en-US"/>
-              <a:t>Pattern Matching for switch: Allows switch statements to work on types, not just primitive values or enums, enabling more expressive and type-safe conditional logic.</a:t>
-            </a:r>
-          </a:p>
-          <a:p>
-            <a:pPr lvl="1"/>
-            <a:r>
-              <a:rPr lang="en-US"/>
-              <a:t>Sealed Classes: Explicitly declare which classes can extend a parent class or interface, providing a powerful way to work with a known hierarchy of types in conjunction with pattern matching.</a:t>
             </a:r>
           </a:p>
         </p:txBody>
@@ -23923,6 +23864,159 @@
 </file>
 
 <file path=ppt/slides/slide33.xml><?xml version="1.0" encoding="utf-8"?>
+<p:sld xmlns:a="http://schemas.openxmlformats.org/drawingml/2006/main" xmlns:r="http://schemas.openxmlformats.org/officeDocument/2006/relationships" xmlns:p="http://schemas.openxmlformats.org/presentationml/2006/main">
+  <p:cSld>
+    <p:spTree>
+      <p:nvGrpSpPr>
+        <p:cNvPr id="1" name=""/>
+        <p:cNvGrpSpPr/>
+        <p:nvPr/>
+      </p:nvGrpSpPr>
+      <p:grpSpPr>
+        <a:xfrm>
+          <a:off x="0" y="0"/>
+          <a:ext cx="0" cy="0"/>
+          <a:chOff x="0" y="0"/>
+          <a:chExt cx="0" cy="0"/>
+        </a:xfrm>
+      </p:grpSpPr>
+      <p:sp>
+        <p:nvSpPr>
+          <p:cNvPr id="2" name="Title 1">
+            <a:extLst>
+              <a:ext uri="{FF2B5EF4-FFF2-40B4-BE49-F238E27FC236}">
+                <a16:creationId xmlns:a16="http://schemas.microsoft.com/office/drawing/2014/main" id="{9AC160DF-861E-4188-A614-DE6343909E62}"/>
+              </a:ext>
+            </a:extLst>
+          </p:cNvPr>
+          <p:cNvSpPr>
+            <a:spLocks noGrp="1"/>
+          </p:cNvSpPr>
+          <p:nvPr>
+            <p:ph type="title"/>
+          </p:nvPr>
+        </p:nvSpPr>
+        <p:spPr/>
+        <p:txBody>
+          <a:bodyPr>
+            <a:noAutofit/>
+          </a:bodyPr>
+          <a:lstStyle/>
+          <a:p>
+            <a:r>
+              <a:rPr lang="en-US" sz="3200"/>
+              <a:t>The Shift Towards Data-Oriented Programming in Java</a:t>
+            </a:r>
+          </a:p>
+        </p:txBody>
+      </p:sp>
+      <p:sp>
+        <p:nvSpPr>
+          <p:cNvPr id="3" name="Content Placeholder 2">
+            <a:extLst>
+              <a:ext uri="{FF2B5EF4-FFF2-40B4-BE49-F238E27FC236}">
+                <a16:creationId xmlns:a16="http://schemas.microsoft.com/office/drawing/2014/main" id="{69E48353-C731-43AC-9140-D6F3ECB836DB}"/>
+              </a:ext>
+            </a:extLst>
+          </p:cNvPr>
+          <p:cNvSpPr>
+            <a:spLocks noGrp="1"/>
+          </p:cNvSpPr>
+          <p:nvPr>
+            <p:ph idx="1"/>
+          </p:nvPr>
+        </p:nvSpPr>
+        <p:spPr/>
+        <p:txBody>
+          <a:bodyPr>
+            <a:normAutofit/>
+          </a:bodyPr>
+          <a:lstStyle/>
+          <a:p>
+            <a:r>
+              <a:rPr lang="en-US" sz="2400"/>
+              <a:t>Modern language features directly support this data-oriented approach.</a:t>
+            </a:r>
+          </a:p>
+          <a:p>
+            <a:pPr lvl="1"/>
+            <a:r>
+              <a:rPr lang="en-US" sz="2000"/>
+              <a:t>Records: A concise syntax for creating immutable data carrier classes, automatically providing a constructor, getters, </a:t>
+            </a:r>
+            <a:r>
+              <a:rPr lang="en-US" sz="2000" i="1"/>
+              <a:t>equals()</a:t>
+            </a:r>
+            <a:r>
+              <a:rPr lang="en-US" sz="2000"/>
+              <a:t>, </a:t>
+            </a:r>
+            <a:r>
+              <a:rPr lang="en-US" sz="2000" i="1"/>
+              <a:t>hashCode()</a:t>
+            </a:r>
+            <a:r>
+              <a:rPr lang="en-US" sz="2000"/>
+              <a:t>, and </a:t>
+            </a:r>
+            <a:r>
+              <a:rPr lang="en-US" sz="2000" i="1"/>
+              <a:t>toString()</a:t>
+            </a:r>
+            <a:r>
+              <a:rPr lang="en-US" sz="2000"/>
+              <a:t>.</a:t>
+            </a:r>
+          </a:p>
+          <a:p>
+            <a:pPr lvl="1"/>
+            <a:r>
+              <a:rPr lang="en-US" sz="2000"/>
+              <a:t>Pattern Matching for </a:t>
+            </a:r>
+            <a:r>
+              <a:rPr lang="en-US" sz="2000" i="1"/>
+              <a:t>instanceof</a:t>
+            </a:r>
+            <a:r>
+              <a:rPr lang="en-US" sz="2000"/>
+              <a:t>: Simplifies type checking and casting by combining the check and variable assignment into a single, cleaner expression.</a:t>
+            </a:r>
+          </a:p>
+          <a:p>
+            <a:pPr lvl="1"/>
+            <a:r>
+              <a:rPr lang="en-US" sz="2000"/>
+              <a:t>Pattern Matching for switch: Allows switch statements to work on types, not just primitive values or enums, enabling more expressive and type-safe conditional logic.</a:t>
+            </a:r>
+          </a:p>
+          <a:p>
+            <a:pPr lvl="1"/>
+            <a:r>
+              <a:rPr lang="en-US" sz="2000"/>
+              <a:t>Sealed Classes: Explicitly declare which classes can extend a parent class or interface, providing a powerful way to work with a known hierarchy of types in conjunction with pattern matching.</a:t>
+            </a:r>
+          </a:p>
+          <a:p>
+            <a:endParaRPr lang="en-US" sz="2400"/>
+          </a:p>
+        </p:txBody>
+      </p:sp>
+    </p:spTree>
+    <p:extLst>
+      <p:ext uri="{BB962C8B-B14F-4D97-AF65-F5344CB8AC3E}">
+        <p14:creationId xmlns:p14="http://schemas.microsoft.com/office/powerpoint/2010/main" val="1624982144"/>
+      </p:ext>
+    </p:extLst>
+  </p:cSld>
+  <p:clrMapOvr>
+    <a:masterClrMapping/>
+  </p:clrMapOvr>
+</p:sld>
+</file>
+
+<file path=ppt/slides/slide34.xml><?xml version="1.0" encoding="utf-8"?>
 <p:sld xmlns:a="http://schemas.openxmlformats.org/drawingml/2006/main" xmlns:r="http://schemas.openxmlformats.org/officeDocument/2006/relationships" xmlns:p="http://schemas.openxmlformats.org/presentationml/2006/main">
   <p:cSld>
     <p:spTree>
@@ -23999,6 +24093,92 @@
     <p:extLst>
       <p:ext uri="{BB962C8B-B14F-4D97-AF65-F5344CB8AC3E}">
         <p14:creationId xmlns:p14="http://schemas.microsoft.com/office/powerpoint/2010/main" val="1170001225"/>
+      </p:ext>
+    </p:extLst>
+  </p:cSld>
+  <p:clrMapOvr>
+    <a:masterClrMapping/>
+  </p:clrMapOvr>
+</p:sld>
+</file>
+
+<file path=ppt/slides/slide35.xml><?xml version="1.0" encoding="utf-8"?>
+<p:sld xmlns:a="http://schemas.openxmlformats.org/drawingml/2006/main" xmlns:r="http://schemas.openxmlformats.org/officeDocument/2006/relationships" xmlns:p="http://schemas.openxmlformats.org/presentationml/2006/main">
+  <p:cSld>
+    <p:spTree>
+      <p:nvGrpSpPr>
+        <p:cNvPr id="1" name=""/>
+        <p:cNvGrpSpPr/>
+        <p:nvPr/>
+      </p:nvGrpSpPr>
+      <p:grpSpPr>
+        <a:xfrm>
+          <a:off x="0" y="0"/>
+          <a:ext cx="0" cy="0"/>
+          <a:chOff x="0" y="0"/>
+          <a:chExt cx="0" cy="0"/>
+        </a:xfrm>
+      </p:grpSpPr>
+      <p:sp>
+        <p:nvSpPr>
+          <p:cNvPr id="2" name="Title 1">
+            <a:extLst>
+              <a:ext uri="{FF2B5EF4-FFF2-40B4-BE49-F238E27FC236}">
+                <a16:creationId xmlns:a16="http://schemas.microsoft.com/office/drawing/2014/main" id="{B4D0FD43-3BC2-43F2-B930-8705271BB716}"/>
+              </a:ext>
+            </a:extLst>
+          </p:cNvPr>
+          <p:cNvSpPr>
+            <a:spLocks noGrp="1"/>
+          </p:cNvSpPr>
+          <p:nvPr>
+            <p:ph type="title"/>
+          </p:nvPr>
+        </p:nvSpPr>
+        <p:spPr/>
+        <p:txBody>
+          <a:bodyPr/>
+          <a:lstStyle/>
+          <a:p>
+            <a:r>
+              <a:rPr lang="en-US"/>
+              <a:t>Thank You!</a:t>
+            </a:r>
+          </a:p>
+        </p:txBody>
+      </p:sp>
+      <p:sp>
+        <p:nvSpPr>
+          <p:cNvPr id="3" name="Text Placeholder 2">
+            <a:extLst>
+              <a:ext uri="{FF2B5EF4-FFF2-40B4-BE49-F238E27FC236}">
+                <a16:creationId xmlns:a16="http://schemas.microsoft.com/office/drawing/2014/main" id="{E4530BCD-317F-4040-8989-C7C8E3B8C026}"/>
+              </a:ext>
+            </a:extLst>
+          </p:cNvPr>
+          <p:cNvSpPr>
+            <a:spLocks noGrp="1"/>
+          </p:cNvSpPr>
+          <p:nvPr>
+            <p:ph type="body" idx="1"/>
+          </p:nvPr>
+        </p:nvSpPr>
+        <p:spPr/>
+        <p:txBody>
+          <a:bodyPr/>
+          <a:lstStyle/>
+          <a:p>
+            <a:r>
+              <a:rPr lang="en-US" i="1"/>
+              <a:t>Now go forth and migrate your projects to Java 17+ responsibly!</a:t>
+            </a:r>
+          </a:p>
+        </p:txBody>
+      </p:sp>
+    </p:spTree>
+    <p:extLst>
+      <p:ext uri="{BB962C8B-B14F-4D97-AF65-F5344CB8AC3E}">
+        <p14:creationId xmlns:p14="http://schemas.microsoft.com/office/powerpoint/2010/main" val="2047448371"/>
       </p:ext>
     </p:extLst>
   </p:cSld>
